--- a/docs/blog/t-io系列文档之bytebuffer入门与技巧（2）/t-io系列文档之bytebuffer入门与技巧（2）.pptx
+++ b/docs/blog/t-io系列文档之bytebuffer入门与技巧（2）/t-io系列文档之bytebuffer入门与技巧（2）.pptx
@@ -3131,10 +3131,34 @@
                     <a:p>
                       <a:pPr algn="ctr"/>
                       <a:r>
-                        <a:rPr lang="en-US" altLang="zh-CN" b="0" dirty="0" smtClean="0"/>
-                        <a:t>byte[]</a:t>
+                        <a:rPr lang="en-US" altLang="zh-CN" b="0" dirty="0" smtClean="0">
+                          <a:solidFill>
+                            <a:srgbClr val="00B050"/>
+                          </a:solidFill>
+                        </a:rPr>
+                        <a:t>byte</a:t>
                       </a:r>
-                      <a:endParaRPr lang="zh-CN" altLang="en-US" b="0" dirty="0"/>
+                      <a:r>
+                        <a:rPr lang="en-US" altLang="zh-CN" b="0" dirty="0" smtClean="0">
+                          <a:solidFill>
+                            <a:srgbClr val="00B050"/>
+                          </a:solidFill>
+                        </a:rPr>
+                        <a:t>[] </a:t>
+                      </a:r>
+                      <a:r>
+                        <a:rPr lang="en-US" altLang="zh-CN" b="0" dirty="0" smtClean="0">
+                          <a:solidFill>
+                            <a:srgbClr val="FF0000"/>
+                          </a:solidFill>
+                        </a:rPr>
+                        <a:t>bytes</a:t>
+                      </a:r>
+                      <a:endParaRPr lang="zh-CN" altLang="en-US" b="0" dirty="0">
+                        <a:solidFill>
+                          <a:srgbClr val="FF0000"/>
+                        </a:solidFill>
+                      </a:endParaRPr>
                     </a:p>
                   </a:txBody>
                   <a:tcPr/>
@@ -3428,8 +3452,8 @@
         </p:nvSpPr>
         <p:spPr>
           <a:xfrm>
-            <a:off x="1187624" y="2924944"/>
-            <a:ext cx="2232248" cy="504056"/>
+            <a:off x="1187624" y="2780928"/>
+            <a:ext cx="2520280" cy="504056"/>
           </a:xfrm>
           <a:prstGeom prst="rect">
             <a:avLst/>
@@ -3455,12 +3479,36 @@
           <a:p>
             <a:pPr algn="ctr"/>
             <a:r>
+              <a:rPr lang="en-US" altLang="zh-CN" sz="2400" dirty="0" err="1" smtClean="0">
+                <a:solidFill>
+                  <a:srgbClr val="00B050"/>
+                </a:solidFill>
+              </a:rPr>
+              <a:t>int</a:t>
+            </a:r>
+            <a:r>
               <a:rPr lang="en-US" altLang="zh-CN" sz="2400" dirty="0" smtClean="0">
                 <a:solidFill>
                   <a:srgbClr val="00B050"/>
                 </a:solidFill>
               </a:rPr>
-              <a:t>capacity=6</a:t>
+              <a:t> </a:t>
+            </a:r>
+            <a:r>
+              <a:rPr lang="en-US" altLang="zh-CN" sz="2400" dirty="0" smtClean="0">
+                <a:solidFill>
+                  <a:srgbClr val="FF0000"/>
+                </a:solidFill>
+              </a:rPr>
+              <a:t>capacity</a:t>
+            </a:r>
+            <a:r>
+              <a:rPr lang="en-US" altLang="zh-CN" sz="2400" dirty="0" smtClean="0">
+                <a:solidFill>
+                  <a:srgbClr val="00B050"/>
+                </a:solidFill>
+              </a:rPr>
+              <a:t> = 6</a:t>
             </a:r>
             <a:endParaRPr lang="zh-CN" altLang="en-US" sz="2400" dirty="0" smtClean="0">
               <a:solidFill>
@@ -3478,8 +3526,8 @@
         </p:nvSpPr>
         <p:spPr>
           <a:xfrm>
-            <a:off x="1187624" y="3573016"/>
-            <a:ext cx="2232248" cy="432048"/>
+            <a:off x="1187624" y="3501008"/>
+            <a:ext cx="2520280" cy="504056"/>
           </a:xfrm>
           <a:prstGeom prst="rect">
             <a:avLst/>
@@ -3505,12 +3553,44 @@
           <a:p>
             <a:pPr algn="ctr"/>
             <a:r>
+              <a:rPr lang="en-US" altLang="zh-CN" sz="2400" dirty="0" err="1" smtClean="0">
+                <a:solidFill>
+                  <a:srgbClr val="00B050"/>
+                </a:solidFill>
+              </a:rPr>
+              <a:t>int</a:t>
+            </a:r>
+            <a:r>
               <a:rPr lang="en-US" altLang="zh-CN" sz="2400" dirty="0" smtClean="0">
                 <a:solidFill>
                   <a:srgbClr val="00B050"/>
                 </a:solidFill>
               </a:rPr>
-              <a:t>0&lt;=limit&lt;=6</a:t>
+              <a:t> 0</a:t>
+            </a:r>
+            <a:r>
+              <a:rPr lang="en-US" altLang="zh-CN" sz="2400" dirty="0" smtClean="0">
+                <a:solidFill>
+                  <a:srgbClr val="00B050"/>
+                </a:solidFill>
+              </a:rPr>
+              <a:t>&lt;=</a:t>
+            </a:r>
+            <a:r>
+              <a:rPr lang="en-US" altLang="zh-CN" sz="2400" dirty="0" smtClean="0">
+                <a:solidFill>
+                  <a:srgbClr val="FF0000"/>
+                </a:solidFill>
+              </a:rPr>
+              <a:t>limit</a:t>
+            </a:r>
+            <a:r>
+              <a:rPr lang="en-US" altLang="zh-CN" sz="2400" dirty="0" smtClean="0">
+                <a:solidFill>
+                  <a:srgbClr val="00B050"/>
+                </a:solidFill>
+              </a:rPr>
+              <a:t>&lt;=6</a:t>
             </a:r>
             <a:endParaRPr lang="zh-CN" altLang="en-US" sz="2400" dirty="0">
               <a:solidFill>
@@ -3529,7 +3609,7 @@
         <p:spPr>
           <a:xfrm>
             <a:off x="1187624" y="4149080"/>
-            <a:ext cx="2232248" cy="432048"/>
+            <a:ext cx="2520280" cy="504056"/>
           </a:xfrm>
           <a:prstGeom prst="rect">
             <a:avLst/>
@@ -3555,12 +3635,44 @@
           <a:p>
             <a:pPr algn="ctr"/>
             <a:r>
+              <a:rPr lang="en-US" altLang="zh-CN" sz="2400" dirty="0" err="1" smtClean="0">
+                <a:solidFill>
+                  <a:srgbClr val="00B050"/>
+                </a:solidFill>
+              </a:rPr>
+              <a:t>int</a:t>
+            </a:r>
+            <a:r>
               <a:rPr lang="en-US" altLang="zh-CN" sz="2400" dirty="0" smtClean="0">
                 <a:solidFill>
                   <a:srgbClr val="00B050"/>
                 </a:solidFill>
               </a:rPr>
-              <a:t>0&lt;=position&lt;=6</a:t>
+              <a:t> 0</a:t>
+            </a:r>
+            <a:r>
+              <a:rPr lang="en-US" altLang="zh-CN" sz="2400" dirty="0" smtClean="0">
+                <a:solidFill>
+                  <a:srgbClr val="00B050"/>
+                </a:solidFill>
+              </a:rPr>
+              <a:t>&lt;=</a:t>
+            </a:r>
+            <a:r>
+              <a:rPr lang="en-US" altLang="zh-CN" sz="2400" dirty="0" smtClean="0">
+                <a:solidFill>
+                  <a:srgbClr val="FF0000"/>
+                </a:solidFill>
+              </a:rPr>
+              <a:t>position</a:t>
+            </a:r>
+            <a:r>
+              <a:rPr lang="en-US" altLang="zh-CN" sz="2400" dirty="0" smtClean="0">
+                <a:solidFill>
+                  <a:srgbClr val="00B050"/>
+                </a:solidFill>
+              </a:rPr>
+              <a:t>&lt;=6</a:t>
             </a:r>
           </a:p>
         </p:txBody>
